--- a/Präsentation1.pptx
+++ b/Präsentation1.pptx
@@ -6,6 +6,8 @@
   </p:sldMasterIdLst>
   <p:sldIdLst>
     <p:sldId id="256" r:id="rId2"/>
+    <p:sldId id="257" r:id="rId3"/>
+    <p:sldId id="258" r:id="rId4"/>
   </p:sldIdLst>
   <p:sldSz cx="12192000" cy="6858000"/>
   <p:notesSz cx="6858000" cy="9144000"/>
@@ -5991,6 +5993,218 @@
 </p:sld>
 </file>
 
+<file path=ppt/slides/slide2.xml><?xml version="1.0" encoding="utf-8"?>
+<p:sld xmlns:a="http://schemas.openxmlformats.org/drawingml/2006/main" xmlns:r="http://schemas.openxmlformats.org/officeDocument/2006/relationships" xmlns:p="http://schemas.openxmlformats.org/presentationml/2006/main">
+  <p:cSld>
+    <p:spTree>
+      <p:nvGrpSpPr>
+        <p:cNvPr id="1" name=""/>
+        <p:cNvGrpSpPr/>
+        <p:nvPr/>
+      </p:nvGrpSpPr>
+      <p:grpSpPr>
+        <a:xfrm>
+          <a:off x="0" y="0"/>
+          <a:ext cx="0" cy="0"/>
+          <a:chOff x="0" y="0"/>
+          <a:chExt cx="0" cy="0"/>
+        </a:xfrm>
+      </p:grpSpPr>
+      <p:sp>
+        <p:nvSpPr>
+          <p:cNvPr id="2" name="Titel 1"/>
+          <p:cNvSpPr>
+            <a:spLocks noGrp="1"/>
+          </p:cNvSpPr>
+          <p:nvPr>
+            <p:ph type="title"/>
+          </p:nvPr>
+        </p:nvSpPr>
+        <p:spPr/>
+        <p:txBody>
+          <a:bodyPr/>
+          <a:lstStyle/>
+          <a:p>
+            <a:r>
+              <a:rPr lang="de-DE" dirty="0" smtClean="0"/>
+              <a:t>Idee</a:t>
+            </a:r>
+            <a:endParaRPr lang="de-DE" dirty="0"/>
+          </a:p>
+        </p:txBody>
+      </p:sp>
+      <p:sp>
+        <p:nvSpPr>
+          <p:cNvPr id="3" name="Inhaltsplatzhalter 2"/>
+          <p:cNvSpPr>
+            <a:spLocks noGrp="1"/>
+          </p:cNvSpPr>
+          <p:nvPr>
+            <p:ph idx="1"/>
+          </p:nvPr>
+        </p:nvSpPr>
+        <p:spPr>
+          <a:xfrm>
+            <a:off x="913795" y="1580050"/>
+            <a:ext cx="10353762" cy="4058751"/>
+          </a:xfrm>
+        </p:spPr>
+        <p:txBody>
+          <a:bodyPr/>
+          <a:lstStyle/>
+          <a:p>
+            <a:r>
+              <a:rPr lang="de-DE" dirty="0" smtClean="0"/>
+              <a:t>Erstellung einer harmonischen Wiedergabeliste, mit fließenden Übergängen</a:t>
+            </a:r>
+          </a:p>
+          <a:p>
+            <a:r>
+              <a:rPr lang="de-DE" dirty="0" smtClean="0"/>
+              <a:t>Visuelle Stütze zur schnellen Erkennung von möglichen Übergangsabschnitten</a:t>
+            </a:r>
+          </a:p>
+          <a:p>
+            <a:endParaRPr lang="de-DE" dirty="0"/>
+          </a:p>
+        </p:txBody>
+      </p:sp>
+    </p:spTree>
+    <p:extLst>
+      <p:ext uri="{BB962C8B-B14F-4D97-AF65-F5344CB8AC3E}">
+        <p14:creationId xmlns:p14="http://schemas.microsoft.com/office/powerpoint/2010/main" val="3076547464"/>
+      </p:ext>
+    </p:extLst>
+  </p:cSld>
+  <p:clrMapOvr>
+    <a:masterClrMapping/>
+  </p:clrMapOvr>
+</p:sld>
+</file>
+
+<file path=ppt/slides/slide3.xml><?xml version="1.0" encoding="utf-8"?>
+<p:sld xmlns:a="http://schemas.openxmlformats.org/drawingml/2006/main" xmlns:r="http://schemas.openxmlformats.org/officeDocument/2006/relationships" xmlns:p="http://schemas.openxmlformats.org/presentationml/2006/main">
+  <p:cSld>
+    <p:spTree>
+      <p:nvGrpSpPr>
+        <p:cNvPr id="1" name=""/>
+        <p:cNvGrpSpPr/>
+        <p:nvPr/>
+      </p:nvGrpSpPr>
+      <p:grpSpPr>
+        <a:xfrm>
+          <a:off x="0" y="0"/>
+          <a:ext cx="0" cy="0"/>
+          <a:chOff x="0" y="0"/>
+          <a:chExt cx="0" cy="0"/>
+        </a:xfrm>
+      </p:grpSpPr>
+      <p:sp>
+        <p:nvSpPr>
+          <p:cNvPr id="2" name="Titel 1"/>
+          <p:cNvSpPr>
+            <a:spLocks noGrp="1"/>
+          </p:cNvSpPr>
+          <p:nvPr>
+            <p:ph type="title"/>
+          </p:nvPr>
+        </p:nvSpPr>
+        <p:spPr/>
+        <p:txBody>
+          <a:bodyPr/>
+          <a:lstStyle/>
+          <a:p>
+            <a:r>
+              <a:rPr lang="de-DE" dirty="0" smtClean="0"/>
+              <a:t>Konzept</a:t>
+            </a:r>
+            <a:endParaRPr lang="de-DE" dirty="0"/>
+          </a:p>
+        </p:txBody>
+      </p:sp>
+      <p:sp>
+        <p:nvSpPr>
+          <p:cNvPr id="3" name="Inhaltsplatzhalter 2"/>
+          <p:cNvSpPr>
+            <a:spLocks noGrp="1"/>
+          </p:cNvSpPr>
+          <p:nvPr>
+            <p:ph idx="1"/>
+          </p:nvPr>
+        </p:nvSpPr>
+        <p:spPr/>
+        <p:txBody>
+          <a:bodyPr/>
+          <a:lstStyle/>
+          <a:p>
+            <a:r>
+              <a:rPr lang="de-DE" dirty="0" smtClean="0"/>
+              <a:t>Anwendung die Übergänge erstellt und speichert</a:t>
+            </a:r>
+          </a:p>
+          <a:p>
+            <a:pPr lvl="1"/>
+            <a:r>
+              <a:rPr lang="de-DE" dirty="0" smtClean="0"/>
+              <a:t>Wiedergabe von 2 Songs</a:t>
+            </a:r>
+          </a:p>
+          <a:p>
+            <a:pPr lvl="1"/>
+            <a:r>
+              <a:rPr lang="de-DE" dirty="0" smtClean="0"/>
+              <a:t>Graphische Anzeige von </a:t>
+            </a:r>
+            <a:r>
+              <a:rPr lang="de-DE" dirty="0" err="1" smtClean="0"/>
+              <a:t>Waveform</a:t>
+            </a:r>
+            <a:r>
+              <a:rPr lang="de-DE" dirty="0" smtClean="0"/>
+              <a:t> und BPM zum Vergleich der Spuren</a:t>
+            </a:r>
+          </a:p>
+          <a:p>
+            <a:pPr lvl="1"/>
+            <a:r>
+              <a:rPr lang="de-DE" dirty="0" smtClean="0"/>
+              <a:t>Separates Fenster um den Übergang zu schaffen</a:t>
+            </a:r>
+          </a:p>
+          <a:p>
+            <a:pPr lvl="1"/>
+            <a:r>
+              <a:rPr lang="de-DE" dirty="0" smtClean="0"/>
+              <a:t>Positionsregler und Spielzeitanzeige</a:t>
+            </a:r>
+          </a:p>
+          <a:p>
+            <a:pPr lvl="1"/>
+            <a:r>
+              <a:rPr lang="de-DE" dirty="0" smtClean="0"/>
+              <a:t>Voneinander unabhängige Kontrollleisten für die </a:t>
+            </a:r>
+            <a:r>
+              <a:rPr lang="de-DE" smtClean="0"/>
+              <a:t>verschiedenen Spuren</a:t>
+            </a:r>
+            <a:endParaRPr lang="de-DE" dirty="0"/>
+          </a:p>
+        </p:txBody>
+      </p:sp>
+    </p:spTree>
+    <p:extLst>
+      <p:ext uri="{BB962C8B-B14F-4D97-AF65-F5344CB8AC3E}">
+        <p14:creationId xmlns:p14="http://schemas.microsoft.com/office/powerpoint/2010/main" val="3656833591"/>
+      </p:ext>
+    </p:extLst>
+  </p:cSld>
+  <p:clrMapOvr>
+    <a:masterClrMapping/>
+  </p:clrMapOvr>
+</p:sld>
+</file>
+
 <file path=ppt/theme/theme1.xml><?xml version="1.0" encoding="utf-8"?>
 <a:theme xmlns:a="http://schemas.openxmlformats.org/drawingml/2006/main" name="Schiefer">
   <a:themeElements>

--- a/Präsentation1.pptx
+++ b/Präsentation1.pptx
@@ -8,6 +8,11 @@
     <p:sldId id="256" r:id="rId2"/>
     <p:sldId id="257" r:id="rId3"/>
     <p:sldId id="258" r:id="rId4"/>
+    <p:sldId id="259" r:id="rId5"/>
+    <p:sldId id="260" r:id="rId6"/>
+    <p:sldId id="261" r:id="rId7"/>
+    <p:sldId id="262" r:id="rId8"/>
+    <p:sldId id="263" r:id="rId9"/>
   </p:sldIdLst>
   <p:sldSz cx="12192000" cy="6858000"/>
   <p:notesSz cx="6858000" cy="9144000"/>
@@ -6182,11 +6187,7 @@
             <a:pPr lvl="1"/>
             <a:r>
               <a:rPr lang="de-DE" dirty="0" smtClean="0"/>
-              <a:t>Voneinander unabhängige Kontrollleisten für die </a:t>
-            </a:r>
-            <a:r>
-              <a:rPr lang="de-DE" smtClean="0"/>
-              <a:t>verschiedenen Spuren</a:t>
+              <a:t>Voneinander unabhängige Kontrollleisten für die verschiedenen Spuren</a:t>
             </a:r>
             <a:endParaRPr lang="de-DE" dirty="0"/>
           </a:p>
@@ -6196,6 +6197,522 @@
     <p:extLst>
       <p:ext uri="{BB962C8B-B14F-4D97-AF65-F5344CB8AC3E}">
         <p14:creationId xmlns:p14="http://schemas.microsoft.com/office/powerpoint/2010/main" val="3656833591"/>
+      </p:ext>
+    </p:extLst>
+  </p:cSld>
+  <p:clrMapOvr>
+    <a:masterClrMapping/>
+  </p:clrMapOvr>
+</p:sld>
+</file>
+
+<file path=ppt/slides/slide4.xml><?xml version="1.0" encoding="utf-8"?>
+<p:sld xmlns:a="http://schemas.openxmlformats.org/drawingml/2006/main" xmlns:r="http://schemas.openxmlformats.org/officeDocument/2006/relationships" xmlns:p="http://schemas.openxmlformats.org/presentationml/2006/main">
+  <p:cSld>
+    <p:spTree>
+      <p:nvGrpSpPr>
+        <p:cNvPr id="1" name=""/>
+        <p:cNvGrpSpPr/>
+        <p:nvPr/>
+      </p:nvGrpSpPr>
+      <p:grpSpPr>
+        <a:xfrm>
+          <a:off x="0" y="0"/>
+          <a:ext cx="0" cy="0"/>
+          <a:chOff x="0" y="0"/>
+          <a:chExt cx="0" cy="0"/>
+        </a:xfrm>
+      </p:grpSpPr>
+      <p:sp>
+        <p:nvSpPr>
+          <p:cNvPr id="2" name="Titel 1"/>
+          <p:cNvSpPr>
+            <a:spLocks noGrp="1"/>
+          </p:cNvSpPr>
+          <p:nvPr>
+            <p:ph type="title"/>
+          </p:nvPr>
+        </p:nvSpPr>
+        <p:spPr/>
+        <p:txBody>
+          <a:bodyPr/>
+          <a:lstStyle/>
+          <a:p>
+            <a:r>
+              <a:rPr lang="de-DE" dirty="0" smtClean="0"/>
+              <a:t>Papierprototyp</a:t>
+            </a:r>
+            <a:endParaRPr lang="de-DE" dirty="0"/>
+          </a:p>
+        </p:txBody>
+      </p:sp>
+      <p:sp>
+        <p:nvSpPr>
+          <p:cNvPr id="3" name="Inhaltsplatzhalter 2"/>
+          <p:cNvSpPr>
+            <a:spLocks noGrp="1"/>
+          </p:cNvSpPr>
+          <p:nvPr>
+            <p:ph idx="1"/>
+          </p:nvPr>
+        </p:nvSpPr>
+        <p:spPr/>
+        <p:txBody>
+          <a:bodyPr/>
+          <a:lstStyle/>
+          <a:p>
+            <a:endParaRPr lang="de-DE"/>
+          </a:p>
+        </p:txBody>
+      </p:sp>
+    </p:spTree>
+    <p:extLst>
+      <p:ext uri="{BB962C8B-B14F-4D97-AF65-F5344CB8AC3E}">
+        <p14:creationId xmlns:p14="http://schemas.microsoft.com/office/powerpoint/2010/main" val="1589708936"/>
+      </p:ext>
+    </p:extLst>
+  </p:cSld>
+  <p:clrMapOvr>
+    <a:masterClrMapping/>
+  </p:clrMapOvr>
+</p:sld>
+</file>
+
+<file path=ppt/slides/slide5.xml><?xml version="1.0" encoding="utf-8"?>
+<p:sld xmlns:a="http://schemas.openxmlformats.org/drawingml/2006/main" xmlns:r="http://schemas.openxmlformats.org/officeDocument/2006/relationships" xmlns:p="http://schemas.openxmlformats.org/presentationml/2006/main">
+  <p:cSld>
+    <p:spTree>
+      <p:nvGrpSpPr>
+        <p:cNvPr id="1" name=""/>
+        <p:cNvGrpSpPr/>
+        <p:nvPr/>
+      </p:nvGrpSpPr>
+      <p:grpSpPr>
+        <a:xfrm>
+          <a:off x="0" y="0"/>
+          <a:ext cx="0" cy="0"/>
+          <a:chOff x="0" y="0"/>
+          <a:chExt cx="0" cy="0"/>
+        </a:xfrm>
+      </p:grpSpPr>
+      <p:sp>
+        <p:nvSpPr>
+          <p:cNvPr id="2" name="Titel 1"/>
+          <p:cNvSpPr>
+            <a:spLocks noGrp="1"/>
+          </p:cNvSpPr>
+          <p:nvPr>
+            <p:ph type="title"/>
+          </p:nvPr>
+        </p:nvSpPr>
+        <p:spPr/>
+        <p:txBody>
+          <a:bodyPr/>
+          <a:lstStyle/>
+          <a:p>
+            <a:r>
+              <a:rPr lang="de-DE" dirty="0" smtClean="0"/>
+              <a:t>Auswertung Nutzerstudie</a:t>
+            </a:r>
+            <a:endParaRPr lang="de-DE" dirty="0"/>
+          </a:p>
+        </p:txBody>
+      </p:sp>
+      <p:sp>
+        <p:nvSpPr>
+          <p:cNvPr id="3" name="Inhaltsplatzhalter 2"/>
+          <p:cNvSpPr>
+            <a:spLocks noGrp="1"/>
+          </p:cNvSpPr>
+          <p:nvPr>
+            <p:ph idx="1"/>
+          </p:nvPr>
+        </p:nvSpPr>
+        <p:spPr/>
+        <p:txBody>
+          <a:bodyPr/>
+          <a:lstStyle/>
+          <a:p>
+            <a:r>
+              <a:rPr lang="de-DE" dirty="0" smtClean="0"/>
+              <a:t>Sind </a:t>
+            </a:r>
+            <a:r>
+              <a:rPr lang="de-DE" dirty="0"/>
+              <a:t>F</a:t>
+            </a:r>
+            <a:r>
+              <a:rPr lang="de-DE" dirty="0" smtClean="0"/>
+              <a:t>ehler bei Nutzung aufgetreten?</a:t>
+            </a:r>
+          </a:p>
+          <a:p>
+            <a:pPr lvl="1"/>
+            <a:r>
+              <a:rPr lang="de-DE" dirty="0" smtClean="0"/>
+              <a:t>60 % Nein</a:t>
+            </a:r>
+          </a:p>
+          <a:p>
+            <a:pPr lvl="1"/>
+            <a:r>
+              <a:rPr lang="de-DE" dirty="0" smtClean="0"/>
+              <a:t>40 % Ja, weil kein Ton</a:t>
+            </a:r>
+          </a:p>
+          <a:p>
+            <a:pPr marL="450000" lvl="1" indent="0">
+              <a:buNone/>
+            </a:pPr>
+            <a:endParaRPr lang="de-DE" dirty="0" smtClean="0"/>
+          </a:p>
+          <a:p>
+            <a:pPr lvl="1"/>
+            <a:endParaRPr lang="de-DE" dirty="0"/>
+          </a:p>
+        </p:txBody>
+      </p:sp>
+    </p:spTree>
+    <p:extLst>
+      <p:ext uri="{BB962C8B-B14F-4D97-AF65-F5344CB8AC3E}">
+        <p14:creationId xmlns:p14="http://schemas.microsoft.com/office/powerpoint/2010/main" val="1795871087"/>
+      </p:ext>
+    </p:extLst>
+  </p:cSld>
+  <p:clrMapOvr>
+    <a:masterClrMapping/>
+  </p:clrMapOvr>
+</p:sld>
+</file>
+
+<file path=ppt/slides/slide6.xml><?xml version="1.0" encoding="utf-8"?>
+<p:sld xmlns:a="http://schemas.openxmlformats.org/drawingml/2006/main" xmlns:r="http://schemas.openxmlformats.org/officeDocument/2006/relationships" xmlns:p="http://schemas.openxmlformats.org/presentationml/2006/main">
+  <p:cSld>
+    <p:spTree>
+      <p:nvGrpSpPr>
+        <p:cNvPr id="1" name=""/>
+        <p:cNvGrpSpPr/>
+        <p:nvPr/>
+      </p:nvGrpSpPr>
+      <p:grpSpPr>
+        <a:xfrm>
+          <a:off x="0" y="0"/>
+          <a:ext cx="0" cy="0"/>
+          <a:chOff x="0" y="0"/>
+          <a:chExt cx="0" cy="0"/>
+        </a:xfrm>
+      </p:grpSpPr>
+      <p:sp>
+        <p:nvSpPr>
+          <p:cNvPr id="2" name="Titel 1"/>
+          <p:cNvSpPr>
+            <a:spLocks noGrp="1"/>
+          </p:cNvSpPr>
+          <p:nvPr>
+            <p:ph type="title"/>
+          </p:nvPr>
+        </p:nvSpPr>
+        <p:spPr/>
+        <p:txBody>
+          <a:bodyPr/>
+          <a:lstStyle/>
+          <a:p>
+            <a:r>
+              <a:rPr lang="de-DE" dirty="0" smtClean="0"/>
+              <a:t>Auswertung Nutzerstudie</a:t>
+            </a:r>
+            <a:endParaRPr lang="de-DE" dirty="0"/>
+          </a:p>
+        </p:txBody>
+      </p:sp>
+      <p:sp>
+        <p:nvSpPr>
+          <p:cNvPr id="3" name="Inhaltsplatzhalter 2"/>
+          <p:cNvSpPr>
+            <a:spLocks noGrp="1"/>
+          </p:cNvSpPr>
+          <p:nvPr>
+            <p:ph idx="1"/>
+          </p:nvPr>
+        </p:nvSpPr>
+        <p:spPr/>
+        <p:txBody>
+          <a:bodyPr/>
+          <a:lstStyle/>
+          <a:p>
+            <a:r>
+              <a:rPr lang="de-DE" dirty="0" smtClean="0"/>
+              <a:t>Bedienung</a:t>
+            </a:r>
+          </a:p>
+          <a:p>
+            <a:pPr lvl="1"/>
+            <a:r>
+              <a:rPr lang="de-DE" dirty="0" smtClean="0"/>
+              <a:t>20 % Sehr gut</a:t>
+            </a:r>
+          </a:p>
+          <a:p>
+            <a:pPr lvl="1"/>
+            <a:r>
+              <a:rPr lang="de-DE" dirty="0" smtClean="0"/>
+              <a:t>80 % gut</a:t>
+            </a:r>
+            <a:endParaRPr lang="de-DE" dirty="0"/>
+          </a:p>
+        </p:txBody>
+      </p:sp>
+    </p:spTree>
+    <p:extLst>
+      <p:ext uri="{BB962C8B-B14F-4D97-AF65-F5344CB8AC3E}">
+        <p14:creationId xmlns:p14="http://schemas.microsoft.com/office/powerpoint/2010/main" val="3526809089"/>
+      </p:ext>
+    </p:extLst>
+  </p:cSld>
+  <p:clrMapOvr>
+    <a:masterClrMapping/>
+  </p:clrMapOvr>
+</p:sld>
+</file>
+
+<file path=ppt/slides/slide7.xml><?xml version="1.0" encoding="utf-8"?>
+<p:sld xmlns:a="http://schemas.openxmlformats.org/drawingml/2006/main" xmlns:r="http://schemas.openxmlformats.org/officeDocument/2006/relationships" xmlns:p="http://schemas.openxmlformats.org/presentationml/2006/main">
+  <p:cSld>
+    <p:spTree>
+      <p:nvGrpSpPr>
+        <p:cNvPr id="1" name=""/>
+        <p:cNvGrpSpPr/>
+        <p:nvPr/>
+      </p:nvGrpSpPr>
+      <p:grpSpPr>
+        <a:xfrm>
+          <a:off x="0" y="0"/>
+          <a:ext cx="0" cy="0"/>
+          <a:chOff x="0" y="0"/>
+          <a:chExt cx="0" cy="0"/>
+        </a:xfrm>
+      </p:grpSpPr>
+      <p:sp>
+        <p:nvSpPr>
+          <p:cNvPr id="2" name="Titel 1"/>
+          <p:cNvSpPr>
+            <a:spLocks noGrp="1"/>
+          </p:cNvSpPr>
+          <p:nvPr>
+            <p:ph type="title"/>
+          </p:nvPr>
+        </p:nvSpPr>
+        <p:spPr/>
+        <p:txBody>
+          <a:bodyPr/>
+          <a:lstStyle/>
+          <a:p>
+            <a:r>
+              <a:rPr lang="de-DE" dirty="0" smtClean="0"/>
+              <a:t>Auswertung Nutzerstudie</a:t>
+            </a:r>
+            <a:endParaRPr lang="de-DE" dirty="0"/>
+          </a:p>
+        </p:txBody>
+      </p:sp>
+      <p:sp>
+        <p:nvSpPr>
+          <p:cNvPr id="3" name="Inhaltsplatzhalter 2"/>
+          <p:cNvSpPr>
+            <a:spLocks noGrp="1"/>
+          </p:cNvSpPr>
+          <p:nvPr>
+            <p:ph idx="1"/>
+          </p:nvPr>
+        </p:nvSpPr>
+        <p:spPr/>
+        <p:txBody>
+          <a:bodyPr/>
+          <a:lstStyle/>
+          <a:p>
+            <a:r>
+              <a:rPr lang="de-DE" dirty="0" smtClean="0"/>
+              <a:t>Funktionalitäten vermisst?</a:t>
+            </a:r>
+          </a:p>
+          <a:p>
+            <a:pPr lvl="1"/>
+            <a:r>
+              <a:rPr lang="de-DE" dirty="0" smtClean="0"/>
+              <a:t>60 % nein</a:t>
+            </a:r>
+          </a:p>
+          <a:p>
+            <a:pPr lvl="1"/>
+            <a:r>
+              <a:rPr lang="de-DE" dirty="0" smtClean="0"/>
+              <a:t>40 % ja</a:t>
+            </a:r>
+          </a:p>
+          <a:p>
+            <a:pPr marL="450000" lvl="1" indent="0">
+              <a:buNone/>
+            </a:pPr>
+            <a:r>
+              <a:rPr lang="de-DE" dirty="0"/>
+              <a:t>	</a:t>
+            </a:r>
+            <a:r>
+              <a:rPr lang="de-DE" dirty="0" smtClean="0"/>
+              <a:t>	</a:t>
+            </a:r>
+          </a:p>
+          <a:p>
+            <a:pPr marL="450000" lvl="1" indent="0">
+              <a:buNone/>
+            </a:pPr>
+            <a:r>
+              <a:rPr lang="de-DE" dirty="0"/>
+              <a:t>	</a:t>
+            </a:r>
+            <a:r>
+              <a:rPr lang="de-DE" dirty="0" smtClean="0"/>
+              <a:t>	- Ausgewählten Bereich in einer Schleife abspielbar machen</a:t>
+            </a:r>
+          </a:p>
+          <a:p>
+            <a:pPr marL="450000" lvl="1" indent="0">
+              <a:buNone/>
+            </a:pPr>
+            <a:r>
+              <a:rPr lang="de-DE" dirty="0"/>
+              <a:t>	</a:t>
+            </a:r>
+            <a:r>
+              <a:rPr lang="de-DE" dirty="0" smtClean="0"/>
+              <a:t>	- Implementierung von Ton</a:t>
+            </a:r>
+            <a:endParaRPr lang="de-DE" dirty="0"/>
+          </a:p>
+        </p:txBody>
+      </p:sp>
+    </p:spTree>
+    <p:extLst>
+      <p:ext uri="{BB962C8B-B14F-4D97-AF65-F5344CB8AC3E}">
+        <p14:creationId xmlns:p14="http://schemas.microsoft.com/office/powerpoint/2010/main" val="3255960159"/>
+      </p:ext>
+    </p:extLst>
+  </p:cSld>
+  <p:clrMapOvr>
+    <a:masterClrMapping/>
+  </p:clrMapOvr>
+</p:sld>
+</file>
+
+<file path=ppt/slides/slide8.xml><?xml version="1.0" encoding="utf-8"?>
+<p:sld xmlns:a="http://schemas.openxmlformats.org/drawingml/2006/main" xmlns:r="http://schemas.openxmlformats.org/officeDocument/2006/relationships" xmlns:p="http://schemas.openxmlformats.org/presentationml/2006/main">
+  <p:cSld>
+    <p:spTree>
+      <p:nvGrpSpPr>
+        <p:cNvPr id="1" name=""/>
+        <p:cNvGrpSpPr/>
+        <p:nvPr/>
+      </p:nvGrpSpPr>
+      <p:grpSpPr>
+        <a:xfrm>
+          <a:off x="0" y="0"/>
+          <a:ext cx="0" cy="0"/>
+          <a:chOff x="0" y="0"/>
+          <a:chExt cx="0" cy="0"/>
+        </a:xfrm>
+      </p:grpSpPr>
+      <p:sp>
+        <p:nvSpPr>
+          <p:cNvPr id="2" name="Titel 1"/>
+          <p:cNvSpPr>
+            <a:spLocks noGrp="1"/>
+          </p:cNvSpPr>
+          <p:nvPr>
+            <p:ph type="title"/>
+          </p:nvPr>
+        </p:nvSpPr>
+        <p:spPr/>
+        <p:txBody>
+          <a:bodyPr/>
+          <a:lstStyle/>
+          <a:p>
+            <a:r>
+              <a:rPr lang="de-DE" dirty="0" smtClean="0"/>
+              <a:t>Auswertung Nutzerstudie</a:t>
+            </a:r>
+            <a:endParaRPr lang="de-DE" dirty="0"/>
+          </a:p>
+        </p:txBody>
+      </p:sp>
+      <p:sp>
+        <p:nvSpPr>
+          <p:cNvPr id="3" name="Inhaltsplatzhalter 2"/>
+          <p:cNvSpPr>
+            <a:spLocks noGrp="1"/>
+          </p:cNvSpPr>
+          <p:nvPr>
+            <p:ph idx="1"/>
+          </p:nvPr>
+        </p:nvSpPr>
+        <p:spPr/>
+        <p:txBody>
+          <a:bodyPr/>
+          <a:lstStyle/>
+          <a:p>
+            <a:r>
+              <a:rPr lang="de-DE" dirty="0" smtClean="0"/>
+              <a:t>Verbesserungsvorschläge</a:t>
+            </a:r>
+            <a:r>
+              <a:rPr lang="de-DE" dirty="0"/>
+              <a:t>	</a:t>
+            </a:r>
+            <a:r>
+              <a:rPr lang="de-DE" dirty="0" smtClean="0"/>
+              <a:t>	</a:t>
+            </a:r>
+            <a:endParaRPr lang="de-DE" dirty="0"/>
+          </a:p>
+          <a:p>
+            <a:pPr lvl="1"/>
+            <a:r>
+              <a:rPr lang="de-DE" dirty="0" smtClean="0"/>
+              <a:t>Eindeutigere Unterscheidung der Spurenzugehörigkeit</a:t>
+            </a:r>
+          </a:p>
+          <a:p>
+            <a:pPr lvl="1"/>
+            <a:r>
+              <a:rPr lang="de-DE" dirty="0" smtClean="0"/>
+              <a:t>Übergangsbereich über das Ziehen mit der Maus veränderbar machen</a:t>
+            </a:r>
+          </a:p>
+          <a:p>
+            <a:pPr lvl="1"/>
+            <a:r>
+              <a:rPr lang="de-DE" dirty="0" smtClean="0"/>
+              <a:t>Lieder per Drag </a:t>
+            </a:r>
+            <a:r>
+              <a:rPr lang="de-DE" dirty="0" err="1" smtClean="0"/>
+              <a:t>and</a:t>
+            </a:r>
+            <a:r>
+              <a:rPr lang="de-DE" dirty="0" smtClean="0"/>
+              <a:t> Drop in die </a:t>
+            </a:r>
+            <a:r>
+              <a:rPr lang="de-DE" smtClean="0"/>
+              <a:t>Tonspur einfügen</a:t>
+            </a:r>
+            <a:endParaRPr lang="de-DE" dirty="0" smtClean="0"/>
+          </a:p>
+        </p:txBody>
+      </p:sp>
+    </p:spTree>
+    <p:extLst>
+      <p:ext uri="{BB962C8B-B14F-4D97-AF65-F5344CB8AC3E}">
+        <p14:creationId xmlns:p14="http://schemas.microsoft.com/office/powerpoint/2010/main" val="3882296023"/>
       </p:ext>
     </p:extLst>
   </p:cSld>
